--- a/ProjectImages.pptx
+++ b/ProjectImages.pptx
@@ -8,6 +8,8 @@
     <p:sldId id="256" r:id="rId2"/>
     <p:sldId id="257" r:id="rId3"/>
     <p:sldId id="258" r:id="rId4"/>
+    <p:sldId id="259" r:id="rId5"/>
+    <p:sldId id="260" r:id="rId6"/>
   </p:sldIdLst>
   <p:sldSz cx="12192000" cy="6858000"/>
   <p:notesSz cx="6858000" cy="9144000"/>
@@ -106,7 +108,16 @@
       </a:defRPr>
     </a:lvl9pPr>
   </p:defaultTextStyle>
+  <p:extLst>
+    <p:ext uri="{EFAFB233-063F-42B5-8137-9DF3F51BA10A}">
+      <p15:sldGuideLst xmlns:p15="http://schemas.microsoft.com/office/powerpoint/2012/main"/>
+    </p:ext>
+  </p:extLst>
 </p:presentation>
+</file>
+
+<file path=ppt/revisionInfo.xml><?xml version="1.0" encoding="utf-8"?>
+<p1510:revInfo xmlns:a="http://schemas.openxmlformats.org/drawingml/2006/main" xmlns:r="http://schemas.openxmlformats.org/officeDocument/2006/relationships" xmlns:p1510="http://schemas.microsoft.com/office/powerpoint/2015/10/main"/>
 </file>
 
 <file path=ppt/slideLayouts/slideLayout1.xml><?xml version="1.0" encoding="utf-8"?>
@@ -3430,15 +3441,7 @@
               <a:miter lim="800000"/>
             </a:ln>
             <a:effectLst/>
-            <a:extLst>
-              <a:ext uri="{909E8E84-426E-40DD-AFC4-6F175D3DCCD1}">
-                <a14:hiddenFill xmlns:a14="http://schemas.microsoft.com/office/drawing/2010/main">
-                  <a:solidFill>
-                    <a:srgbClr val="FFFFFF"/>
-                  </a:solidFill>
-                </a14:hiddenFill>
-              </a:ext>
-            </a:extLst>
+            <a:extLst/>
           </p:spPr>
         </p:pic>
       </p:grpSp>
@@ -4281,6 +4284,426 @@
     <p:extLst>
       <p:ext uri="{BB962C8B-B14F-4D97-AF65-F5344CB8AC3E}">
         <p14:creationId xmlns:p14="http://schemas.microsoft.com/office/powerpoint/2010/main" val="3956456434"/>
+      </p:ext>
+    </p:extLst>
+  </p:cSld>
+  <p:clrMapOvr>
+    <a:masterClrMapping/>
+  </p:clrMapOvr>
+</p:sld>
+</file>
+
+<file path=ppt/slides/slide4.xml><?xml version="1.0" encoding="utf-8"?>
+<p:sld xmlns:a="http://schemas.openxmlformats.org/drawingml/2006/main" xmlns:r="http://schemas.openxmlformats.org/officeDocument/2006/relationships" xmlns:p="http://schemas.openxmlformats.org/presentationml/2006/main">
+  <p:cSld>
+    <p:spTree>
+      <p:nvGrpSpPr>
+        <p:cNvPr id="1" name=""/>
+        <p:cNvGrpSpPr/>
+        <p:nvPr/>
+      </p:nvGrpSpPr>
+      <p:grpSpPr>
+        <a:xfrm>
+          <a:off x="0" y="0"/>
+          <a:ext cx="0" cy="0"/>
+          <a:chOff x="0" y="0"/>
+          <a:chExt cx="0" cy="0"/>
+        </a:xfrm>
+      </p:grpSpPr>
+      <p:grpSp>
+        <p:nvGrpSpPr>
+          <p:cNvPr id="16" name="Group 15">
+            <a:extLst>
+              <a:ext uri="{FF2B5EF4-FFF2-40B4-BE49-F238E27FC236}">
+                <a16:creationId xmlns:a16="http://schemas.microsoft.com/office/drawing/2014/main" id="{AD8FA697-E4FF-4BBA-92A2-78E24045C79D}"/>
+              </a:ext>
+            </a:extLst>
+          </p:cNvPr>
+          <p:cNvGrpSpPr/>
+          <p:nvPr/>
+        </p:nvGrpSpPr>
+        <p:grpSpPr>
+          <a:xfrm>
+            <a:off x="7076574" y="1246090"/>
+            <a:ext cx="4210991" cy="3998259"/>
+            <a:chOff x="7076574" y="1246090"/>
+            <a:chExt cx="4210991" cy="3998259"/>
+          </a:xfrm>
+        </p:grpSpPr>
+        <p:sp>
+          <p:nvSpPr>
+            <p:cNvPr id="12" name="Rectangle 11">
+              <a:extLst>
+                <a:ext uri="{FF2B5EF4-FFF2-40B4-BE49-F238E27FC236}">
+                  <a16:creationId xmlns:a16="http://schemas.microsoft.com/office/drawing/2014/main" id="{54B68D8D-5A29-4B9E-A070-567A489188C0}"/>
+                </a:ext>
+              </a:extLst>
+            </p:cNvPr>
+            <p:cNvSpPr/>
+            <p:nvPr/>
+          </p:nvSpPr>
+          <p:spPr>
+            <a:xfrm>
+              <a:off x="7076574" y="1246090"/>
+              <a:ext cx="4210991" cy="3998259"/>
+            </a:xfrm>
+            <a:prstGeom prst="rect">
+              <a:avLst/>
+            </a:prstGeom>
+            <a:solidFill>
+              <a:srgbClr val="494949"/>
+            </a:solidFill>
+            <a:ln w="12700">
+              <a:noFill/>
+            </a:ln>
+          </p:spPr>
+          <p:style>
+            <a:lnRef idx="2">
+              <a:schemeClr val="accent1">
+                <a:shade val="50000"/>
+              </a:schemeClr>
+            </a:lnRef>
+            <a:fillRef idx="1">
+              <a:schemeClr val="accent1"/>
+            </a:fillRef>
+            <a:effectRef idx="0">
+              <a:schemeClr val="accent1"/>
+            </a:effectRef>
+            <a:fontRef idx="minor">
+              <a:schemeClr val="lt1"/>
+            </a:fontRef>
+          </p:style>
+          <p:txBody>
+            <a:bodyPr rtlCol="0" anchor="ctr"/>
+            <a:lstStyle/>
+            <a:p>
+              <a:pPr algn="ctr"/>
+              <a:endParaRPr lang="en-US"/>
+            </a:p>
+          </p:txBody>
+        </p:sp>
+        <p:pic>
+          <p:nvPicPr>
+            <p:cNvPr id="8" name="Picture 7" descr="A picture containing clipart&#10;&#10;Description generated with very high confidence">
+              <a:extLst>
+                <a:ext uri="{FF2B5EF4-FFF2-40B4-BE49-F238E27FC236}">
+                  <a16:creationId xmlns:a16="http://schemas.microsoft.com/office/drawing/2014/main" id="{BF6134AD-BBE8-4AC1-A706-421ABB187275}"/>
+                </a:ext>
+              </a:extLst>
+            </p:cNvPr>
+            <p:cNvPicPr>
+              <a:picLocks noChangeAspect="1"/>
+            </p:cNvPicPr>
+            <p:nvPr/>
+          </p:nvPicPr>
+          <p:blipFill>
+            <a:blip r:embed="rId2">
+              <a:extLst>
+                <a:ext uri="{28A0092B-C50C-407E-A947-70E740481C1C}">
+                  <a14:useLocalDpi xmlns:a14="http://schemas.microsoft.com/office/drawing/2010/main" val="0"/>
+                </a:ext>
+              </a:extLst>
+            </a:blip>
+            <a:stretch>
+              <a:fillRect/>
+            </a:stretch>
+          </p:blipFill>
+          <p:spPr>
+            <a:xfrm>
+              <a:off x="7115460" y="1613651"/>
+              <a:ext cx="4166834" cy="1666733"/>
+            </a:xfrm>
+            <a:prstGeom prst="rect">
+              <a:avLst/>
+            </a:prstGeom>
+          </p:spPr>
+        </p:pic>
+        <p:grpSp>
+          <p:nvGrpSpPr>
+            <p:cNvPr id="10" name="Group 9">
+              <a:extLst>
+                <a:ext uri="{FF2B5EF4-FFF2-40B4-BE49-F238E27FC236}">
+                  <a16:creationId xmlns:a16="http://schemas.microsoft.com/office/drawing/2014/main" id="{E65535A4-2746-426B-A977-172AAEB6E289}"/>
+                </a:ext>
+              </a:extLst>
+            </p:cNvPr>
+            <p:cNvGrpSpPr/>
+            <p:nvPr/>
+          </p:nvGrpSpPr>
+          <p:grpSpPr>
+            <a:xfrm>
+              <a:off x="7919165" y="3312454"/>
+              <a:ext cx="2559423" cy="1394016"/>
+              <a:chOff x="7919166" y="3245219"/>
+              <a:chExt cx="2559423" cy="1394016"/>
+            </a:xfrm>
+          </p:grpSpPr>
+          <p:pic>
+            <p:nvPicPr>
+              <p:cNvPr id="1026" name="Picture 2" descr="Image result for transparent mac">
+                <a:extLst>
+                  <a:ext uri="{FF2B5EF4-FFF2-40B4-BE49-F238E27FC236}">
+                    <a16:creationId xmlns:a16="http://schemas.microsoft.com/office/drawing/2014/main" id="{CC254FDE-0F9A-4777-A1BA-FE5AD228B2C6}"/>
+                  </a:ext>
+                </a:extLst>
+              </p:cNvPr>
+              <p:cNvPicPr>
+                <a:picLocks noChangeAspect="1" noChangeArrowheads="1"/>
+              </p:cNvPicPr>
+              <p:nvPr/>
+            </p:nvPicPr>
+            <p:blipFill>
+              <a:blip r:embed="rId3">
+                <a:extLst>
+                  <a:ext uri="{28A0092B-C50C-407E-A947-70E740481C1C}">
+                    <a14:useLocalDpi xmlns:a14="http://schemas.microsoft.com/office/drawing/2010/main" val="0"/>
+                  </a:ext>
+                </a:extLst>
+              </a:blip>
+              <a:srcRect/>
+              <a:stretch>
+                <a:fillRect/>
+              </a:stretch>
+            </p:blipFill>
+            <p:spPr bwMode="auto">
+              <a:xfrm>
+                <a:off x="7919166" y="3245219"/>
+                <a:ext cx="2559423" cy="1394016"/>
+              </a:xfrm>
+              <a:prstGeom prst="rect">
+                <a:avLst/>
+              </a:prstGeom>
+              <a:noFill/>
+              <a:extLst>
+                <a:ext uri="{909E8E84-426E-40DD-AFC4-6F175D3DCCD1}">
+                  <a14:hiddenFill xmlns:a14="http://schemas.microsoft.com/office/drawing/2010/main">
+                    <a:solidFill>
+                      <a:srgbClr val="FFFFFF"/>
+                    </a:solidFill>
+                  </a14:hiddenFill>
+                </a:ext>
+              </a:extLst>
+            </p:spPr>
+          </p:pic>
+          <p:pic>
+            <p:nvPicPr>
+              <p:cNvPr id="18" name="Picture 17">
+                <a:extLst>
+                  <a:ext uri="{FF2B5EF4-FFF2-40B4-BE49-F238E27FC236}">
+                    <a16:creationId xmlns:a16="http://schemas.microsoft.com/office/drawing/2014/main" id="{1E32D28D-F34C-4177-9181-FAB48A2E8428}"/>
+                  </a:ext>
+                </a:extLst>
+              </p:cNvPr>
+              <p:cNvPicPr preferRelativeResize="0">
+                <a:picLocks/>
+              </p:cNvPicPr>
+              <p:nvPr/>
+            </p:nvPicPr>
+            <p:blipFill rotWithShape="1">
+              <a:blip r:embed="rId4"/>
+              <a:srcRect r="908"/>
+              <a:stretch/>
+            </p:blipFill>
+            <p:spPr>
+              <a:xfrm>
+                <a:off x="8266352" y="3359894"/>
+                <a:ext cx="1865049" cy="1057835"/>
+              </a:xfrm>
+              <a:prstGeom prst="rect">
+                <a:avLst/>
+              </a:prstGeom>
+            </p:spPr>
+          </p:pic>
+        </p:grpSp>
+      </p:grpSp>
+      <p:grpSp>
+        <p:nvGrpSpPr>
+          <p:cNvPr id="17" name="Group 16">
+            <a:extLst>
+              <a:ext uri="{FF2B5EF4-FFF2-40B4-BE49-F238E27FC236}">
+                <a16:creationId xmlns:a16="http://schemas.microsoft.com/office/drawing/2014/main" id="{2C016903-BE16-4761-B5C3-F54A7B333F7E}"/>
+              </a:ext>
+            </a:extLst>
+          </p:cNvPr>
+          <p:cNvGrpSpPr/>
+          <p:nvPr/>
+        </p:nvGrpSpPr>
+        <p:grpSpPr>
+          <a:xfrm>
+            <a:off x="1065739" y="1129549"/>
+            <a:ext cx="4210991" cy="3998259"/>
+            <a:chOff x="1065739" y="1129549"/>
+            <a:chExt cx="4210991" cy="3998259"/>
+          </a:xfrm>
+        </p:grpSpPr>
+        <p:sp>
+          <p:nvSpPr>
+            <p:cNvPr id="22" name="Rectangle 21">
+              <a:extLst>
+                <a:ext uri="{FF2B5EF4-FFF2-40B4-BE49-F238E27FC236}">
+                  <a16:creationId xmlns:a16="http://schemas.microsoft.com/office/drawing/2014/main" id="{A4470469-7078-4D15-BFED-67402AF017CA}"/>
+                </a:ext>
+              </a:extLst>
+            </p:cNvPr>
+            <p:cNvSpPr/>
+            <p:nvPr/>
+          </p:nvSpPr>
+          <p:spPr>
+            <a:xfrm>
+              <a:off x="1065739" y="1129549"/>
+              <a:ext cx="4210991" cy="3998259"/>
+            </a:xfrm>
+            <a:prstGeom prst="rect">
+              <a:avLst/>
+            </a:prstGeom>
+            <a:solidFill>
+              <a:srgbClr val="040205"/>
+            </a:solidFill>
+            <a:ln w="12700">
+              <a:noFill/>
+            </a:ln>
+          </p:spPr>
+          <p:style>
+            <a:lnRef idx="2">
+              <a:schemeClr val="accent1">
+                <a:shade val="50000"/>
+              </a:schemeClr>
+            </a:lnRef>
+            <a:fillRef idx="1">
+              <a:schemeClr val="accent1"/>
+            </a:fillRef>
+            <a:effectRef idx="0">
+              <a:schemeClr val="accent1"/>
+            </a:effectRef>
+            <a:fontRef idx="minor">
+              <a:schemeClr val="lt1"/>
+            </a:fontRef>
+          </p:style>
+          <p:txBody>
+            <a:bodyPr rtlCol="0" anchor="ctr"/>
+            <a:lstStyle/>
+            <a:p>
+              <a:pPr algn="ctr"/>
+              <a:endParaRPr lang="en-US"/>
+            </a:p>
+          </p:txBody>
+        </p:sp>
+        <p:pic>
+          <p:nvPicPr>
+            <p:cNvPr id="1028" name="Picture 4" descr="https://media.licdn.com/media-proxy/ext?w=800&amp;h=800&amp;f=n&amp;hash=gwckxqK8sYmy1NiJsjsYbQH8W7k%3D&amp;ora=1%2CaFBCTXdkRmpGL2lvQUFBPQ%2CxAVta9Er0Vinkhwfjw8177yE41y87UNCVordEGXyD3u0qYrdfyThf8HZK7uouQ5EfyoclAE6fvL6FDnlD5a4fo_pftR43sXtJ424ZxUBbFI8lWxI">
+              <a:extLst>
+                <a:ext uri="{FF2B5EF4-FFF2-40B4-BE49-F238E27FC236}">
+                  <a16:creationId xmlns:a16="http://schemas.microsoft.com/office/drawing/2014/main" id="{282A2CD0-129E-479E-97F6-D2BAC60CAAF2}"/>
+                </a:ext>
+              </a:extLst>
+            </p:cNvPr>
+            <p:cNvPicPr>
+              <a:picLocks noChangeAspect="1" noChangeArrowheads="1"/>
+            </p:cNvPicPr>
+            <p:nvPr/>
+          </p:nvPicPr>
+          <p:blipFill rotWithShape="1">
+            <a:blip r:embed="rId5">
+              <a:extLst>
+                <a:ext uri="{28A0092B-C50C-407E-A947-70E740481C1C}">
+                  <a14:useLocalDpi xmlns:a14="http://schemas.microsoft.com/office/drawing/2010/main" val="0"/>
+                </a:ext>
+              </a:extLst>
+            </a:blip>
+            <a:srcRect t="2217" b="1273"/>
+            <a:stretch/>
+          </p:blipFill>
+          <p:spPr bwMode="auto">
+            <a:xfrm>
+              <a:off x="1568545" y="1246090"/>
+              <a:ext cx="3214213" cy="3738287"/>
+            </a:xfrm>
+            <a:prstGeom prst="rect">
+              <a:avLst/>
+            </a:prstGeom>
+            <a:noFill/>
+            <a:extLst>
+              <a:ext uri="{909E8E84-426E-40DD-AFC4-6F175D3DCCD1}">
+                <a14:hiddenFill xmlns:a14="http://schemas.microsoft.com/office/drawing/2010/main">
+                  <a:solidFill>
+                    <a:srgbClr val="FFFFFF"/>
+                  </a:solidFill>
+                </a14:hiddenFill>
+              </a:ext>
+            </a:extLst>
+          </p:spPr>
+        </p:pic>
+      </p:grpSp>
+    </p:spTree>
+    <p:extLst>
+      <p:ext uri="{BB962C8B-B14F-4D97-AF65-F5344CB8AC3E}">
+        <p14:creationId xmlns:p14="http://schemas.microsoft.com/office/powerpoint/2010/main" val="323928389"/>
+      </p:ext>
+    </p:extLst>
+  </p:cSld>
+  <p:clrMapOvr>
+    <a:masterClrMapping/>
+  </p:clrMapOvr>
+</p:sld>
+</file>
+
+<file path=ppt/slides/slide5.xml><?xml version="1.0" encoding="utf-8"?>
+<p:sld xmlns:a="http://schemas.openxmlformats.org/drawingml/2006/main" xmlns:r="http://schemas.openxmlformats.org/officeDocument/2006/relationships" xmlns:p="http://schemas.openxmlformats.org/presentationml/2006/main">
+  <p:cSld>
+    <p:spTree>
+      <p:nvGrpSpPr>
+        <p:cNvPr id="1" name=""/>
+        <p:cNvGrpSpPr/>
+        <p:nvPr/>
+      </p:nvGrpSpPr>
+      <p:grpSpPr>
+        <a:xfrm>
+          <a:off x="0" y="0"/>
+          <a:ext cx="0" cy="0"/>
+          <a:chOff x="0" y="0"/>
+          <a:chExt cx="0" cy="0"/>
+        </a:xfrm>
+      </p:grpSpPr>
+      <p:pic>
+        <p:nvPicPr>
+          <p:cNvPr id="3" name="Picture 2" descr="A person wearing a purple hat&#10;&#10;Description generated with high confidence">
+            <a:extLst>
+              <a:ext uri="{FF2B5EF4-FFF2-40B4-BE49-F238E27FC236}">
+                <a16:creationId xmlns:a16="http://schemas.microsoft.com/office/drawing/2014/main" id="{F6AD979E-2CE5-4D61-BC1A-2A36D67864A8}"/>
+              </a:ext>
+            </a:extLst>
+          </p:cNvPr>
+          <p:cNvPicPr>
+            <a:picLocks noChangeAspect="1"/>
+          </p:cNvPicPr>
+          <p:nvPr/>
+        </p:nvPicPr>
+        <p:blipFill>
+          <a:blip r:embed="rId2">
+            <a:extLst>
+              <a:ext uri="{28A0092B-C50C-407E-A947-70E740481C1C}">
+                <a14:useLocalDpi xmlns:a14="http://schemas.microsoft.com/office/drawing/2010/main" val="0"/>
+              </a:ext>
+            </a:extLst>
+          </a:blip>
+          <a:stretch>
+            <a:fillRect/>
+          </a:stretch>
+        </p:blipFill>
+        <p:spPr>
+          <a:xfrm>
+            <a:off x="2496671" y="560294"/>
+            <a:ext cx="5737412" cy="5737412"/>
+          </a:xfrm>
+          <a:prstGeom prst="rect">
+            <a:avLst/>
+          </a:prstGeom>
+        </p:spPr>
+      </p:pic>
+    </p:spTree>
+    <p:extLst>
+      <p:ext uri="{BB962C8B-B14F-4D97-AF65-F5344CB8AC3E}">
+        <p14:creationId xmlns:p14="http://schemas.microsoft.com/office/powerpoint/2010/main" val="1581730345"/>
       </p:ext>
     </p:extLst>
   </p:cSld>
